--- a/基础PPT/第13章：Java枚举简介.pptx
+++ b/基础PPT/第13章：Java枚举简介.pptx
@@ -5,22 +5,15 @@
     <p:sldMasterId id="2147483648" r:id="rId1"/>
   </p:sldMasterIdLst>
   <p:notesMasterIdLst>
-    <p:notesMasterId r:id="rId16"/>
+    <p:notesMasterId r:id="rId9"/>
   </p:notesMasterIdLst>
   <p:sldIdLst>
     <p:sldId id="660" r:id="rId3"/>
     <p:sldId id="661" r:id="rId4"/>
     <p:sldId id="678" r:id="rId5"/>
     <p:sldId id="680" r:id="rId6"/>
-    <p:sldId id="681" r:id="rId7"/>
-    <p:sldId id="682" r:id="rId8"/>
-    <p:sldId id="683" r:id="rId9"/>
-    <p:sldId id="684" r:id="rId10"/>
-    <p:sldId id="685" r:id="rId11"/>
-    <p:sldId id="686" r:id="rId12"/>
-    <p:sldId id="687" r:id="rId13"/>
-    <p:sldId id="688" r:id="rId14"/>
-    <p:sldId id="662" r:id="rId15"/>
+    <p:sldId id="688" r:id="rId7"/>
+    <p:sldId id="662" r:id="rId8"/>
   </p:sldIdLst>
   <p:sldSz cx="12192000" cy="6858000"/>
   <p:notesSz cx="6858000" cy="9144000"/>
@@ -6344,134 +6337,6 @@
 </p:sld>
 </file>
 
-<file path=ppt/slides/slide10.xml><?xml version="1.0" encoding="utf-8"?>
-<p:sld xmlns:a="http://schemas.openxmlformats.org/drawingml/2006/main" xmlns:r="http://schemas.openxmlformats.org/officeDocument/2006/relationships" xmlns:p="http://schemas.openxmlformats.org/presentationml/2006/main">
-  <p:cSld>
-    <p:bg>
-      <p:bgPr>
-        <a:blipFill rotWithShape="1">
-          <a:blip r:embed="rId1"/>
-          <a:stretch>
-            <a:fillRect/>
-          </a:stretch>
-        </a:blipFill>
-        <a:effectLst/>
-      </p:bgPr>
-    </p:bg>
-    <p:spTree>
-      <p:nvGrpSpPr>
-        <p:cNvPr id="1" name=""/>
-        <p:cNvGrpSpPr/>
-        <p:nvPr/>
-      </p:nvGrpSpPr>
-      <p:grpSpPr/>
-    </p:spTree>
-    <p:custDataLst>
-      <p:tags r:id="rId2"/>
-    </p:custDataLst>
-  </p:cSld>
-  <p:clrMapOvr>
-    <a:masterClrMapping/>
-  </p:clrMapOvr>
-</p:sld>
-</file>
-
-<file path=ppt/slides/slide11.xml><?xml version="1.0" encoding="utf-8"?>
-<p:sld xmlns:a="http://schemas.openxmlformats.org/drawingml/2006/main" xmlns:r="http://schemas.openxmlformats.org/officeDocument/2006/relationships" xmlns:p="http://schemas.openxmlformats.org/presentationml/2006/main">
-  <p:cSld>
-    <p:bg>
-      <p:bgPr>
-        <a:blipFill rotWithShape="1">
-          <a:blip r:embed="rId1"/>
-          <a:stretch>
-            <a:fillRect/>
-          </a:stretch>
-        </a:blipFill>
-        <a:effectLst/>
-      </p:bgPr>
-    </p:bg>
-    <p:spTree>
-      <p:nvGrpSpPr>
-        <p:cNvPr id="1" name=""/>
-        <p:cNvGrpSpPr/>
-        <p:nvPr/>
-      </p:nvGrpSpPr>
-      <p:grpSpPr/>
-    </p:spTree>
-    <p:custDataLst>
-      <p:tags r:id="rId2"/>
-    </p:custDataLst>
-  </p:cSld>
-  <p:clrMapOvr>
-    <a:masterClrMapping/>
-  </p:clrMapOvr>
-</p:sld>
-</file>
-
-<file path=ppt/slides/slide12.xml><?xml version="1.0" encoding="utf-8"?>
-<p:sld xmlns:a="http://schemas.openxmlformats.org/drawingml/2006/main" xmlns:r="http://schemas.openxmlformats.org/officeDocument/2006/relationships" xmlns:p="http://schemas.openxmlformats.org/presentationml/2006/main">
-  <p:cSld>
-    <p:bg>
-      <p:bgPr>
-        <a:blipFill rotWithShape="1">
-          <a:blip r:embed="rId1"/>
-          <a:stretch>
-            <a:fillRect/>
-          </a:stretch>
-        </a:blipFill>
-        <a:effectLst/>
-      </p:bgPr>
-    </p:bg>
-    <p:spTree>
-      <p:nvGrpSpPr>
-        <p:cNvPr id="1" name=""/>
-        <p:cNvGrpSpPr/>
-        <p:nvPr/>
-      </p:nvGrpSpPr>
-      <p:grpSpPr/>
-    </p:spTree>
-    <p:custDataLst>
-      <p:tags r:id="rId2"/>
-    </p:custDataLst>
-  </p:cSld>
-  <p:clrMapOvr>
-    <a:masterClrMapping/>
-  </p:clrMapOvr>
-</p:sld>
-</file>
-
-<file path=ppt/slides/slide13.xml><?xml version="1.0" encoding="utf-8"?>
-<p:sld xmlns:a="http://schemas.openxmlformats.org/drawingml/2006/main" xmlns:r="http://schemas.openxmlformats.org/officeDocument/2006/relationships" xmlns:p="http://schemas.openxmlformats.org/presentationml/2006/main">
-  <p:cSld>
-    <p:bg>
-      <p:bgPr>
-        <a:blipFill rotWithShape="1">
-          <a:blip r:embed="rId1"/>
-          <a:stretch>
-            <a:fillRect/>
-          </a:stretch>
-        </a:blipFill>
-        <a:effectLst/>
-      </p:bgPr>
-    </p:bg>
-    <p:spTree>
-      <p:nvGrpSpPr>
-        <p:cNvPr id="1" name=""/>
-        <p:cNvGrpSpPr/>
-        <p:nvPr/>
-      </p:nvGrpSpPr>
-      <p:grpSpPr/>
-    </p:spTree>
-    <p:custDataLst>
-      <p:tags r:id="rId2"/>
-    </p:custDataLst>
-  </p:cSld>
-  <p:clrMapOvr>
-    <a:masterClrMapping/>
-  </p:clrMapOvr>
-</p:sld>
-</file>
-
 <file path=ppt/slides/slide2.xml><?xml version="1.0" encoding="utf-8"?>
 <p:sld xmlns:a="http://schemas.openxmlformats.org/drawingml/2006/main" xmlns:r="http://schemas.openxmlformats.org/officeDocument/2006/relationships" xmlns:p="http://schemas.openxmlformats.org/presentationml/2006/main">
   <p:cSld>
@@ -6501,8 +6366,8 @@
         </p:nvSpPr>
         <p:spPr>
           <a:xfrm>
-            <a:off x="3945890" y="819150"/>
-            <a:ext cx="3825240" cy="583565"/>
+            <a:off x="267335" y="819150"/>
+            <a:ext cx="11628755" cy="583565"/>
           </a:xfrm>
           <a:prstGeom prst="rect">
             <a:avLst/>
@@ -6514,16 +6379,21 @@
             <a:spAutoFit/>
           </a:bodyPr>
           <a:p>
+            <a:pPr algn="ctr"/>
             <a:r>
               <a:rPr lang="zh-CN" altLang="en-US" sz="3200">
-                <a:latin typeface="宋体" panose="02010600030101010101" pitchFamily="2" charset="-122"/>
-                <a:ea typeface="宋体" panose="02010600030101010101" pitchFamily="2" charset="-122"/>
-                <a:cs typeface="宋体" panose="02010600030101010101" pitchFamily="2" charset="-122"/>
+                <a:latin typeface="+mj-ea"/>
+                <a:ea typeface="+mj-ea"/>
+                <a:cs typeface="+mj-ea"/>
                 <a:sym typeface="+mn-ea"/>
               </a:rPr>
-              <a:t>Java 枚举(enum)</a:t>
-            </a:r>
-            <a:endParaRPr lang="zh-CN" altLang="en-US" sz="3200"/>
+              <a:t>枚举(enum)</a:t>
+            </a:r>
+            <a:endParaRPr lang="zh-CN" altLang="en-US" sz="3200">
+              <a:latin typeface="+mj-ea"/>
+              <a:ea typeface="+mj-ea"/>
+              <a:cs typeface="+mj-ea"/>
+            </a:endParaRPr>
           </a:p>
         </p:txBody>
       </p:sp>
@@ -6536,7 +6406,7 @@
         <p:spPr>
           <a:xfrm>
             <a:off x="267970" y="1383665"/>
-            <a:ext cx="11628120" cy="5015865"/>
+            <a:ext cx="11628120" cy="5200650"/>
           </a:xfrm>
           <a:prstGeom prst="rect">
             <a:avLst/>
@@ -6697,14 +6567,20 @@
           </a:p>
           <a:p>
             <a:r>
-              <a:rPr lang="zh-CN" altLang="en-US" sz="1600">
+              <a:rPr lang="zh-CN" altLang="en-US" sz="2000" b="1">
+                <a:solidFill>
+                  <a:srgbClr val="FF0000"/>
+                </a:solidFill>
                 <a:latin typeface="宋体" panose="02010600030101010101" pitchFamily="2" charset="-122"/>
                 <a:ea typeface="宋体" panose="02010600030101010101" pitchFamily="2" charset="-122"/>
                 <a:cs typeface="宋体" panose="02010600030101010101" pitchFamily="2" charset="-122"/>
               </a:rPr>
               <a:t>一、提高代码维护性，确保变量合法。</a:t>
             </a:r>
-            <a:endParaRPr lang="zh-CN" altLang="en-US" sz="1600">
+            <a:endParaRPr lang="zh-CN" altLang="en-US" sz="2000" b="1">
+              <a:solidFill>
+                <a:srgbClr val="FF0000"/>
+              </a:solidFill>
               <a:latin typeface="宋体" panose="02010600030101010101" pitchFamily="2" charset="-122"/>
               <a:ea typeface="宋体" panose="02010600030101010101" pitchFamily="2" charset="-122"/>
               <a:cs typeface="宋体" panose="02010600030101010101" pitchFamily="2" charset="-122"/>
@@ -6712,14 +6588,20 @@
           </a:p>
           <a:p>
             <a:r>
-              <a:rPr lang="zh-CN" altLang="en-US" sz="1600">
+              <a:rPr lang="zh-CN" altLang="en-US" sz="2000" b="1">
+                <a:solidFill>
+                  <a:srgbClr val="FF0000"/>
+                </a:solidFill>
                 <a:latin typeface="宋体" panose="02010600030101010101" pitchFamily="2" charset="-122"/>
                 <a:ea typeface="宋体" panose="02010600030101010101" pitchFamily="2" charset="-122"/>
                 <a:cs typeface="宋体" panose="02010600030101010101" pitchFamily="2" charset="-122"/>
               </a:rPr>
               <a:t>二、提高代码可读性。</a:t>
             </a:r>
-            <a:endParaRPr lang="zh-CN" altLang="en-US" sz="1600">
+            <a:endParaRPr lang="zh-CN" altLang="en-US" sz="2000" b="1">
+              <a:solidFill>
+                <a:srgbClr val="FF0000"/>
+              </a:solidFill>
               <a:latin typeface="宋体" panose="02010600030101010101" pitchFamily="2" charset="-122"/>
               <a:ea typeface="宋体" panose="02010600030101010101" pitchFamily="2" charset="-122"/>
               <a:cs typeface="宋体" panose="02010600030101010101" pitchFamily="2" charset="-122"/>
@@ -6727,14 +6609,20 @@
           </a:p>
           <a:p>
             <a:r>
-              <a:rPr lang="zh-CN" altLang="en-US" sz="1600">
+              <a:rPr lang="zh-CN" altLang="en-US" sz="2000" b="1">
+                <a:solidFill>
+                  <a:srgbClr val="FF0000"/>
+                </a:solidFill>
                 <a:latin typeface="宋体" panose="02010600030101010101" pitchFamily="2" charset="-122"/>
                 <a:ea typeface="宋体" panose="02010600030101010101" pitchFamily="2" charset="-122"/>
                 <a:cs typeface="宋体" panose="02010600030101010101" pitchFamily="2" charset="-122"/>
               </a:rPr>
               <a:t>三、提高代码键入。</a:t>
             </a:r>
-            <a:endParaRPr lang="zh-CN" altLang="en-US" sz="1600">
+            <a:endParaRPr lang="zh-CN" altLang="en-US" sz="2000" b="1">
+              <a:solidFill>
+                <a:srgbClr val="FF0000"/>
+              </a:solidFill>
               <a:latin typeface="宋体" panose="02010600030101010101" pitchFamily="2" charset="-122"/>
               <a:ea typeface="宋体" panose="02010600030101010101" pitchFamily="2" charset="-122"/>
               <a:cs typeface="宋体" panose="02010600030101010101" pitchFamily="2" charset="-122"/>
@@ -7405,102 +7293,6 @@
 </p:sld>
 </file>
 
-<file path=ppt/slides/slide7.xml><?xml version="1.0" encoding="utf-8"?>
-<p:sld xmlns:a="http://schemas.openxmlformats.org/drawingml/2006/main" xmlns:r="http://schemas.openxmlformats.org/officeDocument/2006/relationships" xmlns:p="http://schemas.openxmlformats.org/presentationml/2006/main">
-  <p:cSld>
-    <p:bg>
-      <p:bgPr>
-        <a:blipFill rotWithShape="1">
-          <a:blip r:embed="rId1"/>
-          <a:stretch>
-            <a:fillRect/>
-          </a:stretch>
-        </a:blipFill>
-        <a:effectLst/>
-      </p:bgPr>
-    </p:bg>
-    <p:spTree>
-      <p:nvGrpSpPr>
-        <p:cNvPr id="1" name=""/>
-        <p:cNvGrpSpPr/>
-        <p:nvPr/>
-      </p:nvGrpSpPr>
-      <p:grpSpPr/>
-    </p:spTree>
-    <p:custDataLst>
-      <p:tags r:id="rId2"/>
-    </p:custDataLst>
-  </p:cSld>
-  <p:clrMapOvr>
-    <a:masterClrMapping/>
-  </p:clrMapOvr>
-</p:sld>
-</file>
-
-<file path=ppt/slides/slide8.xml><?xml version="1.0" encoding="utf-8"?>
-<p:sld xmlns:a="http://schemas.openxmlformats.org/drawingml/2006/main" xmlns:r="http://schemas.openxmlformats.org/officeDocument/2006/relationships" xmlns:p="http://schemas.openxmlformats.org/presentationml/2006/main">
-  <p:cSld>
-    <p:bg>
-      <p:bgPr>
-        <a:blipFill rotWithShape="1">
-          <a:blip r:embed="rId1"/>
-          <a:stretch>
-            <a:fillRect/>
-          </a:stretch>
-        </a:blipFill>
-        <a:effectLst/>
-      </p:bgPr>
-    </p:bg>
-    <p:spTree>
-      <p:nvGrpSpPr>
-        <p:cNvPr id="1" name=""/>
-        <p:cNvGrpSpPr/>
-        <p:nvPr/>
-      </p:nvGrpSpPr>
-      <p:grpSpPr/>
-    </p:spTree>
-    <p:custDataLst>
-      <p:tags r:id="rId2"/>
-    </p:custDataLst>
-  </p:cSld>
-  <p:clrMapOvr>
-    <a:masterClrMapping/>
-  </p:clrMapOvr>
-</p:sld>
-</file>
-
-<file path=ppt/slides/slide9.xml><?xml version="1.0" encoding="utf-8"?>
-<p:sld xmlns:a="http://schemas.openxmlformats.org/drawingml/2006/main" xmlns:r="http://schemas.openxmlformats.org/officeDocument/2006/relationships" xmlns:p="http://schemas.openxmlformats.org/presentationml/2006/main">
-  <p:cSld>
-    <p:bg>
-      <p:bgPr>
-        <a:blipFill rotWithShape="1">
-          <a:blip r:embed="rId1"/>
-          <a:stretch>
-            <a:fillRect/>
-          </a:stretch>
-        </a:blipFill>
-        <a:effectLst/>
-      </p:bgPr>
-    </p:bg>
-    <p:spTree>
-      <p:nvGrpSpPr>
-        <p:cNvPr id="1" name=""/>
-        <p:cNvGrpSpPr/>
-        <p:nvPr/>
-      </p:nvGrpSpPr>
-      <p:grpSpPr/>
-    </p:spTree>
-    <p:custDataLst>
-      <p:tags r:id="rId2"/>
-    </p:custDataLst>
-  </p:cSld>
-  <p:clrMapOvr>
-    <a:masterClrMapping/>
-  </p:clrMapOvr>
-</p:sld>
-</file>
-
 <file path=ppt/tags/tag1.xml><?xml version="1.0" encoding="utf-8"?>
 <p:tagLst xmlns:p="http://schemas.openxmlformats.org/presentationml/2006/main">
   <p:tag name="KSO_WM_UNIT_HIGHLIGHT" val="0"/>
@@ -8565,60 +8357,6 @@
 </p:tagLst>
 </file>
 
-<file path=ppt/tags/tag84.xml><?xml version="1.0" encoding="utf-8"?>
-<p:tagLst xmlns:p="http://schemas.openxmlformats.org/presentationml/2006/main">
-  <p:tag name="KSO_WM_BEAUTIFY_FLAG" val="#wm#"/>
-  <p:tag name="KSO_WM_TEMPLATE_CATEGORY" val="custom"/>
-  <p:tag name="KSO_WM_TEMPLATE_INDEX" val="20203858"/>
-  <p:tag name="KSO_WM_SPECIAL_SOURCE" val="bdnull"/>
-</p:tagLst>
-</file>
-
-<file path=ppt/tags/tag85.xml><?xml version="1.0" encoding="utf-8"?>
-<p:tagLst xmlns:p="http://schemas.openxmlformats.org/presentationml/2006/main">
-  <p:tag name="KSO_WM_BEAUTIFY_FLAG" val="#wm#"/>
-  <p:tag name="KSO_WM_TEMPLATE_CATEGORY" val="custom"/>
-  <p:tag name="KSO_WM_TEMPLATE_INDEX" val="20203858"/>
-  <p:tag name="KSO_WM_SPECIAL_SOURCE" val="bdnull"/>
-</p:tagLst>
-</file>
-
-<file path=ppt/tags/tag86.xml><?xml version="1.0" encoding="utf-8"?>
-<p:tagLst xmlns:p="http://schemas.openxmlformats.org/presentationml/2006/main">
-  <p:tag name="KSO_WM_BEAUTIFY_FLAG" val="#wm#"/>
-  <p:tag name="KSO_WM_TEMPLATE_CATEGORY" val="custom"/>
-  <p:tag name="KSO_WM_TEMPLATE_INDEX" val="20203858"/>
-  <p:tag name="KSO_WM_SPECIAL_SOURCE" val="bdnull"/>
-</p:tagLst>
-</file>
-
-<file path=ppt/tags/tag87.xml><?xml version="1.0" encoding="utf-8"?>
-<p:tagLst xmlns:p="http://schemas.openxmlformats.org/presentationml/2006/main">
-  <p:tag name="KSO_WM_BEAUTIFY_FLAG" val="#wm#"/>
-  <p:tag name="KSO_WM_TEMPLATE_CATEGORY" val="custom"/>
-  <p:tag name="KSO_WM_TEMPLATE_INDEX" val="20203858"/>
-  <p:tag name="KSO_WM_SPECIAL_SOURCE" val="bdnull"/>
-</p:tagLst>
-</file>
-
-<file path=ppt/tags/tag88.xml><?xml version="1.0" encoding="utf-8"?>
-<p:tagLst xmlns:p="http://schemas.openxmlformats.org/presentationml/2006/main">
-  <p:tag name="KSO_WM_BEAUTIFY_FLAG" val="#wm#"/>
-  <p:tag name="KSO_WM_TEMPLATE_CATEGORY" val="custom"/>
-  <p:tag name="KSO_WM_TEMPLATE_INDEX" val="20203858"/>
-  <p:tag name="KSO_WM_SPECIAL_SOURCE" val="bdnull"/>
-</p:tagLst>
-</file>
-
-<file path=ppt/tags/tag89.xml><?xml version="1.0" encoding="utf-8"?>
-<p:tagLst xmlns:p="http://schemas.openxmlformats.org/presentationml/2006/main">
-  <p:tag name="KSO_WM_BEAUTIFY_FLAG" val="#wm#"/>
-  <p:tag name="KSO_WM_TEMPLATE_CATEGORY" val="custom"/>
-  <p:tag name="KSO_WM_TEMPLATE_INDEX" val="20203858"/>
-  <p:tag name="KSO_WM_SPECIAL_SOURCE" val="bdnull"/>
-</p:tagLst>
-</file>
-
 <file path=ppt/tags/tag9.xml><?xml version="1.0" encoding="utf-8"?>
 <p:tagLst xmlns:p="http://schemas.openxmlformats.org/presentationml/2006/main">
   <p:tag name="KSO_WM_UNIT_HIGHLIGHT" val="0"/>
@@ -8629,15 +8367,6 @@
   <p:tag name="KSO_WM_UNIT_LAYERLEVEL" val="1"/>
   <p:tag name="KSO_WM_TAG_VERSION" val="1.0"/>
   <p:tag name="KSO_WM_BEAUTIFY_FLAG" val="#wm#"/>
-</p:tagLst>
-</file>
-
-<file path=ppt/tags/tag90.xml><?xml version="1.0" encoding="utf-8"?>
-<p:tagLst xmlns:p="http://schemas.openxmlformats.org/presentationml/2006/main">
-  <p:tag name="KSO_WM_BEAUTIFY_FLAG" val="#wm#"/>
-  <p:tag name="KSO_WM_TEMPLATE_CATEGORY" val="custom"/>
-  <p:tag name="KSO_WM_TEMPLATE_INDEX" val="20203858"/>
-  <p:tag name="KSO_WM_SPECIAL_SOURCE" val="bdnull"/>
 </p:tagLst>
 </file>
 

--- a/基础PPT/第13章：Java枚举简介.pptx
+++ b/基础PPT/第13章：Java枚举简介.pptx
@@ -5,15 +5,15 @@
     <p:sldMasterId id="2147483648" r:id="rId1"/>
   </p:sldMasterIdLst>
   <p:notesMasterIdLst>
-    <p:notesMasterId r:id="rId9"/>
+    <p:notesMasterId r:id="rId5"/>
   </p:notesMasterIdLst>
   <p:sldIdLst>
     <p:sldId id="660" r:id="rId3"/>
     <p:sldId id="661" r:id="rId4"/>
-    <p:sldId id="678" r:id="rId5"/>
-    <p:sldId id="680" r:id="rId6"/>
-    <p:sldId id="688" r:id="rId7"/>
-    <p:sldId id="662" r:id="rId8"/>
+    <p:sldId id="678" r:id="rId6"/>
+    <p:sldId id="680" r:id="rId7"/>
+    <p:sldId id="688" r:id="rId8"/>
+    <p:sldId id="662" r:id="rId9"/>
   </p:sldIdLst>
   <p:sldSz cx="12192000" cy="6858000"/>
   <p:notesSz cx="6858000" cy="9144000"/>
@@ -460,6 +460,50 @@
     </a:lvl9pPr>
   </p:notesStyle>
 </p:notesMaster>
+</file>
+
+<file path=ppt/notesSlides/notesSlide1.xml><?xml version="1.0" encoding="utf-8"?>
+<p:notes xmlns:a="http://schemas.openxmlformats.org/drawingml/2006/main" xmlns:r="http://schemas.openxmlformats.org/officeDocument/2006/relationships" xmlns:p="http://schemas.openxmlformats.org/presentationml/2006/main">
+  <p:cSld>
+    <p:spTree>
+      <p:nvGrpSpPr>
+        <p:cNvPr id="1" name=""/>
+        <p:cNvGrpSpPr/>
+        <p:nvPr/>
+      </p:nvGrpSpPr>
+      <p:grpSpPr/>
+      <p:sp>
+        <p:nvSpPr>
+          <p:cNvPr id="2" name="幻灯片图像占位符 1"/>
+          <p:cNvSpPr/>
+          <p:nvPr>
+            <p:ph type="sldImg" idx="2"/>
+          </p:nvPr>
+        </p:nvSpPr>
+        <p:spPr/>
+      </p:sp>
+      <p:sp>
+        <p:nvSpPr>
+          <p:cNvPr id="3" name="文本占位符 2"/>
+          <p:cNvSpPr/>
+          <p:nvPr>
+            <p:ph type="body" idx="3"/>
+          </p:nvPr>
+        </p:nvSpPr>
+        <p:spPr/>
+        <p:txBody>
+          <a:bodyPr/>
+          <a:p>
+            <a:endParaRPr lang="zh-CN" altLang="en-US"/>
+          </a:p>
+        </p:txBody>
+      </p:sp>
+    </p:spTree>
+  </p:cSld>
+  <p:clrMapOvr>
+    <a:masterClrMapping/>
+  </p:clrMapOvr>
+</p:notes>
 </file>
 
 <file path=ppt/slideLayouts/slideLayout1.xml><?xml version="1.0" encoding="utf-8"?>
@@ -6947,7 +6991,29 @@
                 <a:ea typeface="宋体" panose="02010600030101010101" pitchFamily="2" charset="-122"/>
                 <a:cs typeface="宋体" panose="02010600030101010101" pitchFamily="2" charset="-122"/>
               </a:rPr>
-              <a:t>枚举跟普通类一样可以用自己的变量、方法和构造函数，构造函数只能使用 private 访问修饰符，所以外部无法调用。</a:t>
+              <a:t>枚举跟普通类一样可以用自己的</a:t>
+            </a:r>
+            <a:r>
+              <a:rPr lang="zh-CN" altLang="en-US" sz="1600" b="1" dirty="0" smtClean="0">
+                <a:solidFill>
+                  <a:srgbClr val="FF0000"/>
+                </a:solidFill>
+                <a:latin typeface="宋体" panose="02010600030101010101" pitchFamily="2" charset="-122"/>
+                <a:ea typeface="宋体" panose="02010600030101010101" pitchFamily="2" charset="-122"/>
+                <a:cs typeface="宋体" panose="02010600030101010101" pitchFamily="2" charset="-122"/>
+              </a:rPr>
+              <a:t>变量、方法和构造函数</a:t>
+            </a:r>
+            <a:r>
+              <a:rPr lang="zh-CN" altLang="en-US" sz="1600" dirty="0" smtClean="0">
+                <a:solidFill>
+                  <a:schemeClr val="tx1"/>
+                </a:solidFill>
+                <a:latin typeface="宋体" panose="02010600030101010101" pitchFamily="2" charset="-122"/>
+                <a:ea typeface="宋体" panose="02010600030101010101" pitchFamily="2" charset="-122"/>
+                <a:cs typeface="宋体" panose="02010600030101010101" pitchFamily="2" charset="-122"/>
+              </a:rPr>
+              <a:t>，构造函数只能使用 private 访问修饰符，所以外部无法调用。</a:t>
             </a:r>
             <a:endParaRPr lang="zh-CN" altLang="en-US" sz="1600" dirty="0" smtClean="0">
               <a:solidFill>
